--- a/DigSite/New Arcaism/uarm 2024 2/relatoria ensayo.pptx
+++ b/DigSite/New Arcaism/uarm 2024 2/relatoria ensayo.pptx
@@ -6,26 +6,27 @@
   </p:sldMasterIdLst>
   <p:sldIdLst>
     <p:sldId id="256" r:id="rId2"/>
-    <p:sldId id="265" r:id="rId3"/>
-    <p:sldId id="264" r:id="rId4"/>
-    <p:sldId id="257" r:id="rId5"/>
-    <p:sldId id="258" r:id="rId6"/>
-    <p:sldId id="259" r:id="rId7"/>
-    <p:sldId id="260" r:id="rId8"/>
-    <p:sldId id="261" r:id="rId9"/>
-    <p:sldId id="262" r:id="rId10"/>
-    <p:sldId id="263" r:id="rId11"/>
-    <p:sldId id="266" r:id="rId12"/>
-    <p:sldId id="268" r:id="rId13"/>
-    <p:sldId id="269" r:id="rId14"/>
-    <p:sldId id="270" r:id="rId15"/>
-    <p:sldId id="271" r:id="rId16"/>
-    <p:sldId id="272" r:id="rId17"/>
-    <p:sldId id="273" r:id="rId18"/>
-    <p:sldId id="274" r:id="rId19"/>
-    <p:sldId id="275" r:id="rId20"/>
-    <p:sldId id="276" r:id="rId21"/>
-    <p:sldId id="267" r:id="rId22"/>
+    <p:sldId id="277" r:id="rId3"/>
+    <p:sldId id="265" r:id="rId4"/>
+    <p:sldId id="264" r:id="rId5"/>
+    <p:sldId id="257" r:id="rId6"/>
+    <p:sldId id="258" r:id="rId7"/>
+    <p:sldId id="259" r:id="rId8"/>
+    <p:sldId id="260" r:id="rId9"/>
+    <p:sldId id="261" r:id="rId10"/>
+    <p:sldId id="262" r:id="rId11"/>
+    <p:sldId id="263" r:id="rId12"/>
+    <p:sldId id="266" r:id="rId13"/>
+    <p:sldId id="268" r:id="rId14"/>
+    <p:sldId id="269" r:id="rId15"/>
+    <p:sldId id="270" r:id="rId16"/>
+    <p:sldId id="271" r:id="rId17"/>
+    <p:sldId id="272" r:id="rId18"/>
+    <p:sldId id="273" r:id="rId19"/>
+    <p:sldId id="274" r:id="rId20"/>
+    <p:sldId id="275" r:id="rId21"/>
+    <p:sldId id="276" r:id="rId22"/>
+    <p:sldId id="267" r:id="rId23"/>
   </p:sldIdLst>
   <p:sldSz cx="12192000" cy="6858000"/>
   <p:notesSz cx="6858000" cy="9144000"/>
@@ -281,7 +282,7 @@
           <a:p>
             <a:fld id="{A9CF4DED-F2CD-445E-829C-4E0898DCCC7D}" type="datetimeFigureOut">
               <a:rPr lang="es-PE" smtClean="0"/>
-              <a:t>3/12/2024</a:t>
+              <a:t>11/12/2024</a:t>
             </a:fld>
             <a:endParaRPr lang="es-PE"/>
           </a:p>
@@ -481,7 +482,7 @@
           <a:p>
             <a:fld id="{A9CF4DED-F2CD-445E-829C-4E0898DCCC7D}" type="datetimeFigureOut">
               <a:rPr lang="es-PE" smtClean="0"/>
-              <a:t>3/12/2024</a:t>
+              <a:t>11/12/2024</a:t>
             </a:fld>
             <a:endParaRPr lang="es-PE"/>
           </a:p>
@@ -691,7 +692,7 @@
           <a:p>
             <a:fld id="{A9CF4DED-F2CD-445E-829C-4E0898DCCC7D}" type="datetimeFigureOut">
               <a:rPr lang="es-PE" smtClean="0"/>
-              <a:t>3/12/2024</a:t>
+              <a:t>11/12/2024</a:t>
             </a:fld>
             <a:endParaRPr lang="es-PE"/>
           </a:p>
@@ -891,7 +892,7 @@
           <a:p>
             <a:fld id="{A9CF4DED-F2CD-445E-829C-4E0898DCCC7D}" type="datetimeFigureOut">
               <a:rPr lang="es-PE" smtClean="0"/>
-              <a:t>3/12/2024</a:t>
+              <a:t>11/12/2024</a:t>
             </a:fld>
             <a:endParaRPr lang="es-PE"/>
           </a:p>
@@ -1167,7 +1168,7 @@
           <a:p>
             <a:fld id="{A9CF4DED-F2CD-445E-829C-4E0898DCCC7D}" type="datetimeFigureOut">
               <a:rPr lang="es-PE" smtClean="0"/>
-              <a:t>3/12/2024</a:t>
+              <a:t>11/12/2024</a:t>
             </a:fld>
             <a:endParaRPr lang="es-PE"/>
           </a:p>
@@ -1435,7 +1436,7 @@
           <a:p>
             <a:fld id="{A9CF4DED-F2CD-445E-829C-4E0898DCCC7D}" type="datetimeFigureOut">
               <a:rPr lang="es-PE" smtClean="0"/>
-              <a:t>3/12/2024</a:t>
+              <a:t>11/12/2024</a:t>
             </a:fld>
             <a:endParaRPr lang="es-PE"/>
           </a:p>
@@ -1850,7 +1851,7 @@
           <a:p>
             <a:fld id="{A9CF4DED-F2CD-445E-829C-4E0898DCCC7D}" type="datetimeFigureOut">
               <a:rPr lang="es-PE" smtClean="0"/>
-              <a:t>3/12/2024</a:t>
+              <a:t>11/12/2024</a:t>
             </a:fld>
             <a:endParaRPr lang="es-PE"/>
           </a:p>
@@ -1992,7 +1993,7 @@
           <a:p>
             <a:fld id="{A9CF4DED-F2CD-445E-829C-4E0898DCCC7D}" type="datetimeFigureOut">
               <a:rPr lang="es-PE" smtClean="0"/>
-              <a:t>3/12/2024</a:t>
+              <a:t>11/12/2024</a:t>
             </a:fld>
             <a:endParaRPr lang="es-PE"/>
           </a:p>
@@ -2105,7 +2106,7 @@
           <a:p>
             <a:fld id="{A9CF4DED-F2CD-445E-829C-4E0898DCCC7D}" type="datetimeFigureOut">
               <a:rPr lang="es-PE" smtClean="0"/>
-              <a:t>3/12/2024</a:t>
+              <a:t>11/12/2024</a:t>
             </a:fld>
             <a:endParaRPr lang="es-PE"/>
           </a:p>
@@ -2418,7 +2419,7 @@
           <a:p>
             <a:fld id="{A9CF4DED-F2CD-445E-829C-4E0898DCCC7D}" type="datetimeFigureOut">
               <a:rPr lang="es-PE" smtClean="0"/>
-              <a:t>3/12/2024</a:t>
+              <a:t>11/12/2024</a:t>
             </a:fld>
             <a:endParaRPr lang="es-PE"/>
           </a:p>
@@ -2707,7 +2708,7 @@
           <a:p>
             <a:fld id="{A9CF4DED-F2CD-445E-829C-4E0898DCCC7D}" type="datetimeFigureOut">
               <a:rPr lang="es-PE" smtClean="0"/>
-              <a:t>3/12/2024</a:t>
+              <a:t>11/12/2024</a:t>
             </a:fld>
             <a:endParaRPr lang="es-PE"/>
           </a:p>
@@ -2950,7 +2951,7 @@
           <a:p>
             <a:fld id="{A9CF4DED-F2CD-445E-829C-4E0898DCCC7D}" type="datetimeFigureOut">
               <a:rPr lang="es-PE" smtClean="0"/>
-              <a:t>3/12/2024</a:t>
+              <a:t>11/12/2024</a:t>
             </a:fld>
             <a:endParaRPr lang="es-PE"/>
           </a:p>
@@ -3459,6 +3460,238 @@
   <p:cSld>
     <p:spTree>
       <p:nvGrpSpPr>
+        <p:cNvPr id="1" name=""/>
+        <p:cNvGrpSpPr/>
+        <p:nvPr/>
+      </p:nvGrpSpPr>
+      <p:grpSpPr>
+        <a:xfrm>
+          <a:off x="0" y="0"/>
+          <a:ext cx="0" cy="0"/>
+          <a:chOff x="0" y="0"/>
+          <a:chExt cx="0" cy="0"/>
+        </a:xfrm>
+      </p:grpSpPr>
+      <p:pic>
+        <p:nvPicPr>
+          <p:cNvPr id="5" name="Picture 4">
+            <a:extLst>
+              <a:ext uri="{FF2B5EF4-FFF2-40B4-BE49-F238E27FC236}">
+                <a16:creationId xmlns:a16="http://schemas.microsoft.com/office/drawing/2014/main" id="{3769015F-8EEE-96C0-E388-3E3BA30D71DD}"/>
+              </a:ext>
+            </a:extLst>
+          </p:cNvPr>
+          <p:cNvPicPr>
+            <a:picLocks noChangeAspect="1"/>
+          </p:cNvPicPr>
+          <p:nvPr/>
+        </p:nvPicPr>
+        <p:blipFill>
+          <a:blip r:embed="rId2"/>
+          <a:stretch>
+            <a:fillRect/>
+          </a:stretch>
+        </p:blipFill>
+        <p:spPr>
+          <a:xfrm>
+            <a:off x="0" y="345098"/>
+            <a:ext cx="2938075" cy="623228"/>
+          </a:xfrm>
+          <a:prstGeom prst="rect">
+            <a:avLst/>
+          </a:prstGeom>
+        </p:spPr>
+      </p:pic>
+      <p:pic>
+        <p:nvPicPr>
+          <p:cNvPr id="7" name="Picture 6">
+            <a:extLst>
+              <a:ext uri="{FF2B5EF4-FFF2-40B4-BE49-F238E27FC236}">
+                <a16:creationId xmlns:a16="http://schemas.microsoft.com/office/drawing/2014/main" id="{6FCE01EE-9AE2-5C33-41E3-D81C6236E18C}"/>
+              </a:ext>
+            </a:extLst>
+          </p:cNvPr>
+          <p:cNvPicPr>
+            <a:picLocks noChangeAspect="1"/>
+          </p:cNvPicPr>
+          <p:nvPr/>
+        </p:nvPicPr>
+        <p:blipFill>
+          <a:blip r:embed="rId3"/>
+          <a:stretch>
+            <a:fillRect/>
+          </a:stretch>
+        </p:blipFill>
+        <p:spPr>
+          <a:xfrm>
+            <a:off x="3009531" y="84846"/>
+            <a:ext cx="5548973" cy="827942"/>
+          </a:xfrm>
+          <a:prstGeom prst="rect">
+            <a:avLst/>
+          </a:prstGeom>
+        </p:spPr>
+      </p:pic>
+      <p:pic>
+        <p:nvPicPr>
+          <p:cNvPr id="9" name="Picture 8">
+            <a:extLst>
+              <a:ext uri="{FF2B5EF4-FFF2-40B4-BE49-F238E27FC236}">
+                <a16:creationId xmlns:a16="http://schemas.microsoft.com/office/drawing/2014/main" id="{4D2BC1BA-AD78-7EC4-748B-5C4510BD1481}"/>
+              </a:ext>
+            </a:extLst>
+          </p:cNvPr>
+          <p:cNvPicPr>
+            <a:picLocks noChangeAspect="1"/>
+          </p:cNvPicPr>
+          <p:nvPr/>
+        </p:nvPicPr>
+        <p:blipFill>
+          <a:blip r:embed="rId4"/>
+          <a:stretch>
+            <a:fillRect/>
+          </a:stretch>
+        </p:blipFill>
+        <p:spPr>
+          <a:xfrm>
+            <a:off x="8558504" y="0"/>
+            <a:ext cx="3444661" cy="997634"/>
+          </a:xfrm>
+          <a:prstGeom prst="rect">
+            <a:avLst/>
+          </a:prstGeom>
+        </p:spPr>
+      </p:pic>
+      <p:pic>
+        <p:nvPicPr>
+          <p:cNvPr id="11" name="Picture 10">
+            <a:extLst>
+              <a:ext uri="{FF2B5EF4-FFF2-40B4-BE49-F238E27FC236}">
+                <a16:creationId xmlns:a16="http://schemas.microsoft.com/office/drawing/2014/main" id="{7875CE6F-7B2E-A7AB-F198-A5D95A489534}"/>
+              </a:ext>
+            </a:extLst>
+          </p:cNvPr>
+          <p:cNvPicPr>
+            <a:picLocks noChangeAspect="1"/>
+          </p:cNvPicPr>
+          <p:nvPr/>
+        </p:nvPicPr>
+        <p:blipFill>
+          <a:blip r:embed="rId5"/>
+          <a:stretch>
+            <a:fillRect/>
+          </a:stretch>
+        </p:blipFill>
+        <p:spPr>
+          <a:xfrm>
+            <a:off x="1454969" y="1933172"/>
+            <a:ext cx="9602588" cy="2991656"/>
+          </a:xfrm>
+          <a:prstGeom prst="rect">
+            <a:avLst/>
+          </a:prstGeom>
+        </p:spPr>
+      </p:pic>
+      <p:pic>
+        <p:nvPicPr>
+          <p:cNvPr id="13" name="Picture 12">
+            <a:extLst>
+              <a:ext uri="{FF2B5EF4-FFF2-40B4-BE49-F238E27FC236}">
+                <a16:creationId xmlns:a16="http://schemas.microsoft.com/office/drawing/2014/main" id="{73E2F46D-439F-DBA3-30DF-85BDD429DE1D}"/>
+              </a:ext>
+            </a:extLst>
+          </p:cNvPr>
+          <p:cNvPicPr>
+            <a:picLocks noChangeAspect="1"/>
+          </p:cNvPicPr>
+          <p:nvPr/>
+        </p:nvPicPr>
+        <p:blipFill>
+          <a:blip r:embed="rId6"/>
+          <a:stretch>
+            <a:fillRect/>
+          </a:stretch>
+        </p:blipFill>
+        <p:spPr>
+          <a:xfrm>
+            <a:off x="168813" y="5849694"/>
+            <a:ext cx="920627" cy="1008306"/>
+          </a:xfrm>
+          <a:prstGeom prst="rect">
+            <a:avLst/>
+          </a:prstGeom>
+        </p:spPr>
+      </p:pic>
+      <p:sp>
+        <p:nvSpPr>
+          <p:cNvPr id="16" name="Rectangle 15">
+            <a:extLst>
+              <a:ext uri="{FF2B5EF4-FFF2-40B4-BE49-F238E27FC236}">
+                <a16:creationId xmlns:a16="http://schemas.microsoft.com/office/drawing/2014/main" id="{35292634-4ECD-26EC-B3CC-89A470A9B100}"/>
+              </a:ext>
+            </a:extLst>
+          </p:cNvPr>
+          <p:cNvSpPr/>
+          <p:nvPr/>
+        </p:nvSpPr>
+        <p:spPr>
+          <a:xfrm>
+            <a:off x="7919049" y="172569"/>
+            <a:ext cx="639455" cy="379521"/>
+          </a:xfrm>
+          <a:prstGeom prst="rect">
+            <a:avLst/>
+          </a:prstGeom>
+          <a:noFill/>
+          <a:ln w="57150">
+            <a:solidFill>
+              <a:srgbClr val="FF0000"/>
+            </a:solidFill>
+          </a:ln>
+        </p:spPr>
+        <p:style>
+          <a:lnRef idx="2">
+            <a:schemeClr val="accent1">
+              <a:shade val="15000"/>
+            </a:schemeClr>
+          </a:lnRef>
+          <a:fillRef idx="1">
+            <a:schemeClr val="accent1"/>
+          </a:fillRef>
+          <a:effectRef idx="0">
+            <a:schemeClr val="accent1"/>
+          </a:effectRef>
+          <a:fontRef idx="minor">
+            <a:schemeClr val="lt1"/>
+          </a:fontRef>
+        </p:style>
+        <p:txBody>
+          <a:bodyPr rtlCol="0" anchor="ctr"/>
+          <a:lstStyle/>
+          <a:p>
+            <a:pPr algn="ctr"/>
+            <a:endParaRPr lang="es-PE"/>
+          </a:p>
+        </p:txBody>
+      </p:sp>
+    </p:spTree>
+    <p:extLst>
+      <p:ext uri="{BB962C8B-B14F-4D97-AF65-F5344CB8AC3E}">
+        <p14:creationId xmlns:p14="http://schemas.microsoft.com/office/powerpoint/2010/main" val="1077892807"/>
+      </p:ext>
+    </p:extLst>
+  </p:cSld>
+  <p:clrMapOvr>
+    <a:masterClrMapping/>
+  </p:clrMapOvr>
+</p:sld>
+</file>
+
+<file path=ppt/slides/slide11.xml><?xml version="1.0" encoding="utf-8"?>
+<p:sld xmlns:a="http://schemas.openxmlformats.org/drawingml/2006/main" xmlns:r="http://schemas.openxmlformats.org/officeDocument/2006/relationships" xmlns:p="http://schemas.openxmlformats.org/presentationml/2006/main">
+  <p:cSld>
+    <p:spTree>
+      <p:nvGrpSpPr>
         <p:cNvPr id="1" name="">
           <a:extLst>
             <a:ext uri="{FF2B5EF4-FFF2-40B4-BE49-F238E27FC236}">
@@ -3619,7 +3852,7 @@
         </p:blipFill>
         <p:spPr>
           <a:xfrm>
-            <a:off x="1806909" y="2399363"/>
+            <a:off x="1806909" y="2398955"/>
             <a:ext cx="6670332" cy="504153"/>
           </a:xfrm>
           <a:prstGeom prst="rect">
@@ -3700,7 +3933,7 @@
 </p:sld>
 </file>
 
-<file path=ppt/slides/slide11.xml><?xml version="1.0" encoding="utf-8"?>
+<file path=ppt/slides/slide12.xml><?xml version="1.0" encoding="utf-8"?>
 <p:sld xmlns:a="http://schemas.openxmlformats.org/drawingml/2006/main" xmlns:r="http://schemas.openxmlformats.org/officeDocument/2006/relationships" xmlns:p="http://schemas.openxmlformats.org/presentationml/2006/main">
   <p:cSld>
     <p:spTree>
@@ -3916,7 +4149,7 @@
 </p:sld>
 </file>
 
-<file path=ppt/slides/slide12.xml><?xml version="1.0" encoding="utf-8"?>
+<file path=ppt/slides/slide13.xml><?xml version="1.0" encoding="utf-8"?>
 <p:sld xmlns:a="http://schemas.openxmlformats.org/drawingml/2006/main" xmlns:r="http://schemas.openxmlformats.org/officeDocument/2006/relationships" xmlns:p="http://schemas.openxmlformats.org/presentationml/2006/main">
   <p:cSld>
     <p:spTree>
@@ -4132,7 +4365,7 @@
 </p:sld>
 </file>
 
-<file path=ppt/slides/slide13.xml><?xml version="1.0" encoding="utf-8"?>
+<file path=ppt/slides/slide14.xml><?xml version="1.0" encoding="utf-8"?>
 <p:sld xmlns:a="http://schemas.openxmlformats.org/drawingml/2006/main" xmlns:r="http://schemas.openxmlformats.org/officeDocument/2006/relationships" xmlns:p="http://schemas.openxmlformats.org/presentationml/2006/main">
   <p:cSld>
     <p:spTree>
@@ -4318,7 +4551,7 @@
 </p:sld>
 </file>
 
-<file path=ppt/slides/slide14.xml><?xml version="1.0" encoding="utf-8"?>
+<file path=ppt/slides/slide15.xml><?xml version="1.0" encoding="utf-8"?>
 <p:sld xmlns:a="http://schemas.openxmlformats.org/drawingml/2006/main" xmlns:r="http://schemas.openxmlformats.org/officeDocument/2006/relationships" xmlns:p="http://schemas.openxmlformats.org/presentationml/2006/main">
   <p:cSld>
     <p:spTree>
@@ -4504,7 +4737,7 @@
 </p:sld>
 </file>
 
-<file path=ppt/slides/slide15.xml><?xml version="1.0" encoding="utf-8"?>
+<file path=ppt/slides/slide16.xml><?xml version="1.0" encoding="utf-8"?>
 <p:sld xmlns:a="http://schemas.openxmlformats.org/drawingml/2006/main" xmlns:r="http://schemas.openxmlformats.org/officeDocument/2006/relationships" xmlns:p="http://schemas.openxmlformats.org/presentationml/2006/main">
   <p:cSld>
     <p:spTree>
@@ -4690,7 +4923,7 @@
 </p:sld>
 </file>
 
-<file path=ppt/slides/slide16.xml><?xml version="1.0" encoding="utf-8"?>
+<file path=ppt/slides/slide17.xml><?xml version="1.0" encoding="utf-8"?>
 <p:sld xmlns:a="http://schemas.openxmlformats.org/drawingml/2006/main" xmlns:r="http://schemas.openxmlformats.org/officeDocument/2006/relationships" xmlns:p="http://schemas.openxmlformats.org/presentationml/2006/main">
   <p:cSld>
     <p:spTree>
@@ -4876,7 +5109,7 @@
 </p:sld>
 </file>
 
-<file path=ppt/slides/slide17.xml><?xml version="1.0" encoding="utf-8"?>
+<file path=ppt/slides/slide18.xml><?xml version="1.0" encoding="utf-8"?>
 <p:sld xmlns:a="http://schemas.openxmlformats.org/drawingml/2006/main" xmlns:r="http://schemas.openxmlformats.org/officeDocument/2006/relationships" xmlns:p="http://schemas.openxmlformats.org/presentationml/2006/main">
   <p:cSld>
     <p:spTree>
@@ -5062,7 +5295,7 @@
 </p:sld>
 </file>
 
-<file path=ppt/slides/slide18.xml><?xml version="1.0" encoding="utf-8"?>
+<file path=ppt/slides/slide19.xml><?xml version="1.0" encoding="utf-8"?>
 <p:sld xmlns:a="http://schemas.openxmlformats.org/drawingml/2006/main" xmlns:r="http://schemas.openxmlformats.org/officeDocument/2006/relationships" xmlns:p="http://schemas.openxmlformats.org/presentationml/2006/main">
   <p:cSld>
     <p:spTree>
@@ -5278,7 +5511,128 @@
 </p:sld>
 </file>
 
-<file path=ppt/slides/slide19.xml><?xml version="1.0" encoding="utf-8"?>
+<file path=ppt/slides/slide2.xml><?xml version="1.0" encoding="utf-8"?>
+<p:sld xmlns:a="http://schemas.openxmlformats.org/drawingml/2006/main" xmlns:r="http://schemas.openxmlformats.org/officeDocument/2006/relationships" xmlns:p="http://schemas.openxmlformats.org/presentationml/2006/main">
+  <p:cSld>
+    <p:spTree>
+      <p:nvGrpSpPr>
+        <p:cNvPr id="1" name="">
+          <a:extLst>
+            <a:ext uri="{FF2B5EF4-FFF2-40B4-BE49-F238E27FC236}">
+              <a16:creationId xmlns:a16="http://schemas.microsoft.com/office/drawing/2014/main" id="{5C0F7D91-CE58-AAD8-8908-8FB1EF95CAAB}"/>
+            </a:ext>
+          </a:extLst>
+        </p:cNvPr>
+        <p:cNvGrpSpPr/>
+        <p:nvPr/>
+      </p:nvGrpSpPr>
+      <p:grpSpPr>
+        <a:xfrm>
+          <a:off x="0" y="0"/>
+          <a:ext cx="0" cy="0"/>
+          <a:chOff x="0" y="0"/>
+          <a:chExt cx="0" cy="0"/>
+        </a:xfrm>
+      </p:grpSpPr>
+      <p:sp>
+        <p:nvSpPr>
+          <p:cNvPr id="2" name="Title 1">
+            <a:extLst>
+              <a:ext uri="{FF2B5EF4-FFF2-40B4-BE49-F238E27FC236}">
+                <a16:creationId xmlns:a16="http://schemas.microsoft.com/office/drawing/2014/main" id="{04E5CABF-75E9-1257-41D3-5B11A5E11FC5}"/>
+              </a:ext>
+            </a:extLst>
+          </p:cNvPr>
+          <p:cNvSpPr>
+            <a:spLocks noGrp="1"/>
+          </p:cNvSpPr>
+          <p:nvPr>
+            <p:ph type="ctrTitle"/>
+          </p:nvPr>
+        </p:nvSpPr>
+        <p:spPr/>
+        <p:txBody>
+          <a:bodyPr>
+            <a:normAutofit/>
+          </a:bodyPr>
+          <a:lstStyle/>
+          <a:p>
+            <a:pPr algn="ctr">
+              <a:lnSpc>
+                <a:spcPct val="150000"/>
+              </a:lnSpc>
+              <a:spcAft>
+                <a:spcPts val="800"/>
+              </a:spcAft>
+            </a:pPr>
+            <a:r>
+              <a:rPr lang="es-PE" sz="2800" b="1" u="sng" kern="100" dirty="0">
+                <a:effectLst/>
+                <a:latin typeface="Calibri" panose="020F0502020204030204" pitchFamily="34" charset="0"/>
+                <a:ea typeface="Calibri" panose="020F0502020204030204" pitchFamily="34" charset="0"/>
+                <a:cs typeface="Times New Roman" panose="02020603050405020304" pitchFamily="18" charset="0"/>
+              </a:rPr>
+              <a:t>El complemento neokantiano de dos teorías distintas: el rescate de los principios metafísicos de K. </a:t>
+            </a:r>
+            <a:r>
+              <a:rPr lang="es-PE" sz="2800" b="1" u="sng" kern="100" dirty="0" err="1">
+                <a:effectLst/>
+                <a:latin typeface="Calibri" panose="020F0502020204030204" pitchFamily="34" charset="0"/>
+                <a:ea typeface="Calibri" panose="020F0502020204030204" pitchFamily="34" charset="0"/>
+                <a:cs typeface="Times New Roman" panose="02020603050405020304" pitchFamily="18" charset="0"/>
+              </a:rPr>
+              <a:t>Flikschuh</a:t>
+            </a:r>
+            <a:r>
+              <a:rPr lang="es-PE" sz="2800" b="1" u="sng" kern="100" dirty="0">
+                <a:effectLst/>
+                <a:latin typeface="Calibri" panose="020F0502020204030204" pitchFamily="34" charset="0"/>
+                <a:ea typeface="Calibri" panose="020F0502020204030204" pitchFamily="34" charset="0"/>
+                <a:cs typeface="Times New Roman" panose="02020603050405020304" pitchFamily="18" charset="0"/>
+              </a:rPr>
+              <a:t> y el concepto de poder </a:t>
+            </a:r>
+            <a:r>
+              <a:rPr lang="es-PE" sz="2800" b="1" u="sng" kern="100" dirty="0" err="1">
+                <a:effectLst/>
+                <a:latin typeface="Calibri" panose="020F0502020204030204" pitchFamily="34" charset="0"/>
+                <a:ea typeface="Calibri" panose="020F0502020204030204" pitchFamily="34" charset="0"/>
+                <a:cs typeface="Times New Roman" panose="02020603050405020304" pitchFamily="18" charset="0"/>
+              </a:rPr>
+              <a:t>nouménico</a:t>
+            </a:r>
+            <a:r>
+              <a:rPr lang="es-PE" sz="2800" b="1" u="sng" kern="100" dirty="0">
+                <a:effectLst/>
+                <a:latin typeface="Calibri" panose="020F0502020204030204" pitchFamily="34" charset="0"/>
+                <a:ea typeface="Calibri" panose="020F0502020204030204" pitchFamily="34" charset="0"/>
+                <a:cs typeface="Times New Roman" panose="02020603050405020304" pitchFamily="18" charset="0"/>
+              </a:rPr>
+              <a:t> de Forst</a:t>
+            </a:r>
+            <a:endParaRPr lang="es-PE" sz="2800" kern="100" dirty="0">
+              <a:effectLst/>
+              <a:latin typeface="Calibri" panose="020F0502020204030204" pitchFamily="34" charset="0"/>
+              <a:ea typeface="Calibri" panose="020F0502020204030204" pitchFamily="34" charset="0"/>
+              <a:cs typeface="Times New Roman" panose="02020603050405020304" pitchFamily="18" charset="0"/>
+            </a:endParaRPr>
+          </a:p>
+        </p:txBody>
+      </p:sp>
+    </p:spTree>
+    <p:extLst>
+      <p:ext uri="{BB962C8B-B14F-4D97-AF65-F5344CB8AC3E}">
+        <p14:creationId xmlns:p14="http://schemas.microsoft.com/office/powerpoint/2010/main" val="852107398"/>
+      </p:ext>
+    </p:extLst>
+  </p:cSld>
+  <p:clrMapOvr>
+    <a:masterClrMapping/>
+  </p:clrMapOvr>
+</p:sld>
+</file>
+
+<file path=ppt/slides/slide20.xml><?xml version="1.0" encoding="utf-8"?>
 <p:sld xmlns:a="http://schemas.openxmlformats.org/drawingml/2006/main" xmlns:r="http://schemas.openxmlformats.org/officeDocument/2006/relationships" xmlns:p="http://schemas.openxmlformats.org/presentationml/2006/main">
   <p:cSld>
     <p:spTree>
@@ -5494,209 +5848,7 @@
 </p:sld>
 </file>
 
-<file path=ppt/slides/slide2.xml><?xml version="1.0" encoding="utf-8"?>
-<p:sld xmlns:a="http://schemas.openxmlformats.org/drawingml/2006/main" xmlns:r="http://schemas.openxmlformats.org/officeDocument/2006/relationships" xmlns:p="http://schemas.openxmlformats.org/presentationml/2006/main">
-  <p:cSld>
-    <p:spTree>
-      <p:nvGrpSpPr>
-        <p:cNvPr id="1" name=""/>
-        <p:cNvGrpSpPr/>
-        <p:nvPr/>
-      </p:nvGrpSpPr>
-      <p:grpSpPr>
-        <a:xfrm>
-          <a:off x="0" y="0"/>
-          <a:ext cx="0" cy="0"/>
-          <a:chOff x="0" y="0"/>
-          <a:chExt cx="0" cy="0"/>
-        </a:xfrm>
-      </p:grpSpPr>
-      <p:pic>
-        <p:nvPicPr>
-          <p:cNvPr id="5" name="Picture 4">
-            <a:extLst>
-              <a:ext uri="{FF2B5EF4-FFF2-40B4-BE49-F238E27FC236}">
-                <a16:creationId xmlns:a16="http://schemas.microsoft.com/office/drawing/2014/main" id="{7BBE4CD2-02A8-38B4-8B24-02EA7E047B39}"/>
-              </a:ext>
-            </a:extLst>
-          </p:cNvPr>
-          <p:cNvPicPr>
-            <a:picLocks noChangeAspect="1"/>
-          </p:cNvPicPr>
-          <p:nvPr/>
-        </p:nvPicPr>
-        <p:blipFill>
-          <a:blip r:embed="rId2"/>
-          <a:stretch>
-            <a:fillRect/>
-          </a:stretch>
-        </p:blipFill>
-        <p:spPr>
-          <a:xfrm>
-            <a:off x="0" y="0"/>
-            <a:ext cx="7134225" cy="1323975"/>
-          </a:xfrm>
-          <a:prstGeom prst="rect">
-            <a:avLst/>
-          </a:prstGeom>
-        </p:spPr>
-      </p:pic>
-      <p:pic>
-        <p:nvPicPr>
-          <p:cNvPr id="7" name="Picture 6">
-            <a:extLst>
-              <a:ext uri="{FF2B5EF4-FFF2-40B4-BE49-F238E27FC236}">
-                <a16:creationId xmlns:a16="http://schemas.microsoft.com/office/drawing/2014/main" id="{7BE50FEA-E6FC-7641-0B26-692CF143DC2F}"/>
-              </a:ext>
-            </a:extLst>
-          </p:cNvPr>
-          <p:cNvPicPr>
-            <a:picLocks noChangeAspect="1"/>
-          </p:cNvPicPr>
-          <p:nvPr/>
-        </p:nvPicPr>
-        <p:blipFill>
-          <a:blip r:embed="rId3"/>
-          <a:stretch>
-            <a:fillRect/>
-          </a:stretch>
-        </p:blipFill>
-        <p:spPr>
-          <a:xfrm>
-            <a:off x="7134224" y="0"/>
-            <a:ext cx="5068273" cy="1323975"/>
-          </a:xfrm>
-          <a:prstGeom prst="rect">
-            <a:avLst/>
-          </a:prstGeom>
-        </p:spPr>
-      </p:pic>
-      <p:pic>
-        <p:nvPicPr>
-          <p:cNvPr id="9" name="Picture 8">
-            <a:extLst>
-              <a:ext uri="{FF2B5EF4-FFF2-40B4-BE49-F238E27FC236}">
-                <a16:creationId xmlns:a16="http://schemas.microsoft.com/office/drawing/2014/main" id="{C69CB51D-F55E-1586-5DE3-154CA688A51E}"/>
-              </a:ext>
-            </a:extLst>
-          </p:cNvPr>
-          <p:cNvPicPr>
-            <a:picLocks noChangeAspect="1"/>
-          </p:cNvPicPr>
-          <p:nvPr/>
-        </p:nvPicPr>
-        <p:blipFill>
-          <a:blip r:embed="rId4"/>
-          <a:stretch>
-            <a:fillRect/>
-          </a:stretch>
-        </p:blipFill>
-        <p:spPr>
-          <a:xfrm>
-            <a:off x="428309" y="2139529"/>
-            <a:ext cx="11335379" cy="3709179"/>
-          </a:xfrm>
-          <a:prstGeom prst="rect">
-            <a:avLst/>
-          </a:prstGeom>
-        </p:spPr>
-      </p:pic>
-      <p:pic>
-        <p:nvPicPr>
-          <p:cNvPr id="11" name="Picture 10">
-            <a:extLst>
-              <a:ext uri="{FF2B5EF4-FFF2-40B4-BE49-F238E27FC236}">
-                <a16:creationId xmlns:a16="http://schemas.microsoft.com/office/drawing/2014/main" id="{ECA5A121-D881-7750-EB76-BA49A6338C4C}"/>
-              </a:ext>
-            </a:extLst>
-          </p:cNvPr>
-          <p:cNvPicPr>
-            <a:picLocks noChangeAspect="1"/>
-          </p:cNvPicPr>
-          <p:nvPr/>
-        </p:nvPicPr>
-        <p:blipFill>
-          <a:blip r:embed="rId5"/>
-          <a:stretch>
-            <a:fillRect/>
-          </a:stretch>
-        </p:blipFill>
-        <p:spPr>
-          <a:xfrm>
-            <a:off x="48501" y="6161686"/>
-            <a:ext cx="759615" cy="696314"/>
-          </a:xfrm>
-          <a:prstGeom prst="rect">
-            <a:avLst/>
-          </a:prstGeom>
-        </p:spPr>
-      </p:pic>
-      <p:sp>
-        <p:nvSpPr>
-          <p:cNvPr id="12" name="Rectangle 11">
-            <a:extLst>
-              <a:ext uri="{FF2B5EF4-FFF2-40B4-BE49-F238E27FC236}">
-                <a16:creationId xmlns:a16="http://schemas.microsoft.com/office/drawing/2014/main" id="{9CA7DE55-57C7-E049-3E2B-DD710C2CF87C}"/>
-              </a:ext>
-            </a:extLst>
-          </p:cNvPr>
-          <p:cNvSpPr/>
-          <p:nvPr/>
-        </p:nvSpPr>
-        <p:spPr>
-          <a:xfrm>
-            <a:off x="5969479" y="828136"/>
-            <a:ext cx="810883" cy="345056"/>
-          </a:xfrm>
-          <a:prstGeom prst="rect">
-            <a:avLst/>
-          </a:prstGeom>
-          <a:noFill/>
-          <a:ln w="57150">
-            <a:solidFill>
-              <a:srgbClr val="FF0000"/>
-            </a:solidFill>
-          </a:ln>
-        </p:spPr>
-        <p:style>
-          <a:lnRef idx="2">
-            <a:schemeClr val="accent1">
-              <a:shade val="15000"/>
-            </a:schemeClr>
-          </a:lnRef>
-          <a:fillRef idx="1">
-            <a:schemeClr val="accent1"/>
-          </a:fillRef>
-          <a:effectRef idx="0">
-            <a:schemeClr val="accent1"/>
-          </a:effectRef>
-          <a:fontRef idx="minor">
-            <a:schemeClr val="lt1"/>
-          </a:fontRef>
-        </p:style>
-        <p:txBody>
-          <a:bodyPr rtlCol="0" anchor="ctr"/>
-          <a:lstStyle/>
-          <a:p>
-            <a:pPr algn="ctr"/>
-            <a:endParaRPr lang="es-PE"/>
-          </a:p>
-        </p:txBody>
-      </p:sp>
-    </p:spTree>
-    <p:extLst>
-      <p:ext uri="{BB962C8B-B14F-4D97-AF65-F5344CB8AC3E}">
-        <p14:creationId xmlns:p14="http://schemas.microsoft.com/office/powerpoint/2010/main" val="746711139"/>
-      </p:ext>
-    </p:extLst>
-  </p:cSld>
-  <p:clrMapOvr>
-    <a:masterClrMapping/>
-  </p:clrMapOvr>
-</p:sld>
-</file>
-
-<file path=ppt/slides/slide20.xml><?xml version="1.0" encoding="utf-8"?>
+<file path=ppt/slides/slide21.xml><?xml version="1.0" encoding="utf-8"?>
 <p:sld xmlns:a="http://schemas.openxmlformats.org/drawingml/2006/main" xmlns:r="http://schemas.openxmlformats.org/officeDocument/2006/relationships" xmlns:p="http://schemas.openxmlformats.org/presentationml/2006/main">
   <p:cSld>
     <p:spTree>
@@ -5912,7 +6064,7 @@
 </p:sld>
 </file>
 
-<file path=ppt/slides/slide21.xml><?xml version="1.0" encoding="utf-8"?>
+<file path=ppt/slides/slide22.xml><?xml version="1.0" encoding="utf-8"?>
 <p:sld xmlns:a="http://schemas.openxmlformats.org/drawingml/2006/main" xmlns:r="http://schemas.openxmlformats.org/officeDocument/2006/relationships" xmlns:p="http://schemas.openxmlformats.org/presentationml/2006/main">
   <p:cSld>
     <p:spTree>
@@ -6002,13 +6154,7 @@
   <p:cSld>
     <p:spTree>
       <p:nvGrpSpPr>
-        <p:cNvPr id="1" name="">
-          <a:extLst>
-            <a:ext uri="{FF2B5EF4-FFF2-40B4-BE49-F238E27FC236}">
-              <a16:creationId xmlns:a16="http://schemas.microsoft.com/office/drawing/2014/main" id="{6AC65072-1093-F34C-04DC-4537B3E6F799}"/>
-            </a:ext>
-          </a:extLst>
-        </p:cNvPr>
+        <p:cNvPr id="1" name=""/>
         <p:cNvGrpSpPr/>
         <p:nvPr/>
       </p:nvGrpSpPr>
@@ -6022,10 +6168,10 @@
       </p:grpSpPr>
       <p:pic>
         <p:nvPicPr>
-          <p:cNvPr id="3" name="Picture 2">
-            <a:extLst>
-              <a:ext uri="{FF2B5EF4-FFF2-40B4-BE49-F238E27FC236}">
-                <a16:creationId xmlns:a16="http://schemas.microsoft.com/office/drawing/2014/main" id="{7CFB00E8-4ED5-7906-7A9F-39D4EA09E287}"/>
+          <p:cNvPr id="5" name="Picture 4">
+            <a:extLst>
+              <a:ext uri="{FF2B5EF4-FFF2-40B4-BE49-F238E27FC236}">
+                <a16:creationId xmlns:a16="http://schemas.microsoft.com/office/drawing/2014/main" id="{7BBE4CD2-02A8-38B4-8B24-02EA7E047B39}"/>
               </a:ext>
             </a:extLst>
           </p:cNvPr>
@@ -6042,20 +6188,20 @@
         </p:blipFill>
         <p:spPr>
           <a:xfrm>
-            <a:off x="0" y="-1"/>
-            <a:ext cx="2511685" cy="983411"/>
-          </a:xfrm>
-          <a:prstGeom prst="rect">
-            <a:avLst/>
-          </a:prstGeom>
-        </p:spPr>
-      </p:pic>
-      <p:pic>
-        <p:nvPicPr>
-          <p:cNvPr id="6" name="Picture 5">
-            <a:extLst>
-              <a:ext uri="{FF2B5EF4-FFF2-40B4-BE49-F238E27FC236}">
-                <a16:creationId xmlns:a16="http://schemas.microsoft.com/office/drawing/2014/main" id="{E1F81B01-0A8E-0049-963C-81C07DD03E27}"/>
+            <a:off x="0" y="0"/>
+            <a:ext cx="7134225" cy="1323975"/>
+          </a:xfrm>
+          <a:prstGeom prst="rect">
+            <a:avLst/>
+          </a:prstGeom>
+        </p:spPr>
+      </p:pic>
+      <p:pic>
+        <p:nvPicPr>
+          <p:cNvPr id="7" name="Picture 6">
+            <a:extLst>
+              <a:ext uri="{FF2B5EF4-FFF2-40B4-BE49-F238E27FC236}">
+                <a16:creationId xmlns:a16="http://schemas.microsoft.com/office/drawing/2014/main" id="{7BE50FEA-E6FC-7641-0B26-692CF143DC2F}"/>
               </a:ext>
             </a:extLst>
           </p:cNvPr>
@@ -6072,20 +6218,20 @@
         </p:blipFill>
         <p:spPr>
           <a:xfrm>
-            <a:off x="2304651" y="108738"/>
-            <a:ext cx="2888451" cy="874672"/>
-          </a:xfrm>
-          <a:prstGeom prst="rect">
-            <a:avLst/>
-          </a:prstGeom>
-        </p:spPr>
-      </p:pic>
-      <p:pic>
-        <p:nvPicPr>
-          <p:cNvPr id="10" name="Picture 9">
-            <a:extLst>
-              <a:ext uri="{FF2B5EF4-FFF2-40B4-BE49-F238E27FC236}">
-                <a16:creationId xmlns:a16="http://schemas.microsoft.com/office/drawing/2014/main" id="{0606567D-8566-D9D2-F99F-7E92ABD82579}"/>
+            <a:off x="7134224" y="0"/>
+            <a:ext cx="5068273" cy="1323975"/>
+          </a:xfrm>
+          <a:prstGeom prst="rect">
+            <a:avLst/>
+          </a:prstGeom>
+        </p:spPr>
+      </p:pic>
+      <p:pic>
+        <p:nvPicPr>
+          <p:cNvPr id="9" name="Picture 8">
+            <a:extLst>
+              <a:ext uri="{FF2B5EF4-FFF2-40B4-BE49-F238E27FC236}">
+                <a16:creationId xmlns:a16="http://schemas.microsoft.com/office/drawing/2014/main" id="{C69CB51D-F55E-1586-5DE3-154CA688A51E}"/>
               </a:ext>
             </a:extLst>
           </p:cNvPr>
@@ -6102,20 +6248,20 @@
         </p:blipFill>
         <p:spPr>
           <a:xfrm>
-            <a:off x="5193102" y="167854"/>
-            <a:ext cx="3905250" cy="647700"/>
-          </a:xfrm>
-          <a:prstGeom prst="rect">
-            <a:avLst/>
-          </a:prstGeom>
-        </p:spPr>
-      </p:pic>
-      <p:pic>
-        <p:nvPicPr>
-          <p:cNvPr id="12" name="Picture 11">
-            <a:extLst>
-              <a:ext uri="{FF2B5EF4-FFF2-40B4-BE49-F238E27FC236}">
-                <a16:creationId xmlns:a16="http://schemas.microsoft.com/office/drawing/2014/main" id="{C6C8D7C1-0FF8-9081-1E63-94F182FAD186}"/>
+            <a:off x="428309" y="2139529"/>
+            <a:ext cx="11335379" cy="3709179"/>
+          </a:xfrm>
+          <a:prstGeom prst="rect">
+            <a:avLst/>
+          </a:prstGeom>
+        </p:spPr>
+      </p:pic>
+      <p:pic>
+        <p:nvPicPr>
+          <p:cNvPr id="11" name="Picture 10">
+            <a:extLst>
+              <a:ext uri="{FF2B5EF4-FFF2-40B4-BE49-F238E27FC236}">
+                <a16:creationId xmlns:a16="http://schemas.microsoft.com/office/drawing/2014/main" id="{ECA5A121-D881-7750-EB76-BA49A6338C4C}"/>
               </a:ext>
             </a:extLst>
           </p:cNvPr>
@@ -6132,38 +6278,8 @@
         </p:blipFill>
         <p:spPr>
           <a:xfrm>
-            <a:off x="2511685" y="2376218"/>
-            <a:ext cx="6725946" cy="1729955"/>
-          </a:xfrm>
-          <a:prstGeom prst="rect">
-            <a:avLst/>
-          </a:prstGeom>
-        </p:spPr>
-      </p:pic>
-      <p:pic>
-        <p:nvPicPr>
-          <p:cNvPr id="15" name="Picture 14">
-            <a:extLst>
-              <a:ext uri="{FF2B5EF4-FFF2-40B4-BE49-F238E27FC236}">
-                <a16:creationId xmlns:a16="http://schemas.microsoft.com/office/drawing/2014/main" id="{286AF3CB-EA38-8EBD-000C-2C55DFC2D5FA}"/>
-              </a:ext>
-            </a:extLst>
-          </p:cNvPr>
-          <p:cNvPicPr>
-            <a:picLocks noChangeAspect="1"/>
-          </p:cNvPicPr>
-          <p:nvPr/>
-        </p:nvPicPr>
-        <p:blipFill>
-          <a:blip r:embed="rId6"/>
-          <a:stretch>
-            <a:fillRect/>
-          </a:stretch>
-        </p:blipFill>
-        <p:spPr>
-          <a:xfrm>
-            <a:off x="1810107" y="4792165"/>
-            <a:ext cx="8571786" cy="874672"/>
+            <a:off x="48501" y="6161686"/>
+            <a:ext cx="759615" cy="696314"/>
           </a:xfrm>
           <a:prstGeom prst="rect">
             <a:avLst/>
@@ -6172,10 +6288,10 @@
       </p:pic>
       <p:sp>
         <p:nvSpPr>
-          <p:cNvPr id="16" name="Rectangle 15">
-            <a:extLst>
-              <a:ext uri="{FF2B5EF4-FFF2-40B4-BE49-F238E27FC236}">
-                <a16:creationId xmlns:a16="http://schemas.microsoft.com/office/drawing/2014/main" id="{42E69DE9-8D44-0AC9-563F-C3F4B4F61FA7}"/>
+          <p:cNvPr id="12" name="Rectangle 11">
+            <a:extLst>
+              <a:ext uri="{FF2B5EF4-FFF2-40B4-BE49-F238E27FC236}">
+                <a16:creationId xmlns:a16="http://schemas.microsoft.com/office/drawing/2014/main" id="{9CA7DE55-57C7-E049-3E2B-DD710C2CF87C}"/>
               </a:ext>
             </a:extLst>
           </p:cNvPr>
@@ -6184,8 +6300,8 @@
         </p:nvSpPr>
         <p:spPr>
           <a:xfrm>
-            <a:off x="2743200" y="2336414"/>
-            <a:ext cx="1242204" cy="493049"/>
+            <a:off x="5969479" y="828136"/>
+            <a:ext cx="810883" cy="345056"/>
           </a:xfrm>
           <a:prstGeom prst="rect">
             <a:avLst/>
@@ -6225,7 +6341,7 @@
     </p:spTree>
     <p:extLst>
       <p:ext uri="{BB962C8B-B14F-4D97-AF65-F5344CB8AC3E}">
-        <p14:creationId xmlns:p14="http://schemas.microsoft.com/office/powerpoint/2010/main" val="3494924795"/>
+        <p14:creationId xmlns:p14="http://schemas.microsoft.com/office/powerpoint/2010/main" val="746711139"/>
       </p:ext>
     </p:extLst>
   </p:cSld>
@@ -6240,7 +6356,13 @@
   <p:cSld>
     <p:spTree>
       <p:nvGrpSpPr>
-        <p:cNvPr id="1" name=""/>
+        <p:cNvPr id="1" name="">
+          <a:extLst>
+            <a:ext uri="{FF2B5EF4-FFF2-40B4-BE49-F238E27FC236}">
+              <a16:creationId xmlns:a16="http://schemas.microsoft.com/office/drawing/2014/main" id="{6AC65072-1093-F34C-04DC-4537B3E6F799}"/>
+            </a:ext>
+          </a:extLst>
+        </p:cNvPr>
         <p:cNvGrpSpPr/>
         <p:nvPr/>
       </p:nvGrpSpPr>
@@ -6254,10 +6376,10 @@
       </p:grpSpPr>
       <p:pic>
         <p:nvPicPr>
-          <p:cNvPr id="5" name="Picture 4">
-            <a:extLst>
-              <a:ext uri="{FF2B5EF4-FFF2-40B4-BE49-F238E27FC236}">
-                <a16:creationId xmlns:a16="http://schemas.microsoft.com/office/drawing/2014/main" id="{4A70D808-CECB-EA81-48FF-574F674CB921}"/>
+          <p:cNvPr id="3" name="Picture 2">
+            <a:extLst>
+              <a:ext uri="{FF2B5EF4-FFF2-40B4-BE49-F238E27FC236}">
+                <a16:creationId xmlns:a16="http://schemas.microsoft.com/office/drawing/2014/main" id="{7CFB00E8-4ED5-7906-7A9F-39D4EA09E287}"/>
               </a:ext>
             </a:extLst>
           </p:cNvPr>
@@ -6274,20 +6396,20 @@
         </p:blipFill>
         <p:spPr>
           <a:xfrm>
-            <a:off x="492663" y="413458"/>
-            <a:ext cx="2400300" cy="657225"/>
-          </a:xfrm>
-          <a:prstGeom prst="rect">
-            <a:avLst/>
-          </a:prstGeom>
-        </p:spPr>
-      </p:pic>
-      <p:pic>
-        <p:nvPicPr>
-          <p:cNvPr id="7" name="Picture 6">
-            <a:extLst>
-              <a:ext uri="{FF2B5EF4-FFF2-40B4-BE49-F238E27FC236}">
-                <a16:creationId xmlns:a16="http://schemas.microsoft.com/office/drawing/2014/main" id="{95375AC1-F824-08FF-6BA8-2DAC7CA84A7E}"/>
+            <a:off x="0" y="-1"/>
+            <a:ext cx="2511685" cy="983411"/>
+          </a:xfrm>
+          <a:prstGeom prst="rect">
+            <a:avLst/>
+          </a:prstGeom>
+        </p:spPr>
+      </p:pic>
+      <p:pic>
+        <p:nvPicPr>
+          <p:cNvPr id="6" name="Picture 5">
+            <a:extLst>
+              <a:ext uri="{FF2B5EF4-FFF2-40B4-BE49-F238E27FC236}">
+                <a16:creationId xmlns:a16="http://schemas.microsoft.com/office/drawing/2014/main" id="{E1F81B01-0A8E-0049-963C-81C07DD03E27}"/>
               </a:ext>
             </a:extLst>
           </p:cNvPr>
@@ -6304,20 +6426,20 @@
         </p:blipFill>
         <p:spPr>
           <a:xfrm>
-            <a:off x="2957066" y="413457"/>
-            <a:ext cx="2827596" cy="657225"/>
-          </a:xfrm>
-          <a:prstGeom prst="rect">
-            <a:avLst/>
-          </a:prstGeom>
-        </p:spPr>
-      </p:pic>
-      <p:pic>
-        <p:nvPicPr>
-          <p:cNvPr id="9" name="Picture 8">
-            <a:extLst>
-              <a:ext uri="{FF2B5EF4-FFF2-40B4-BE49-F238E27FC236}">
-                <a16:creationId xmlns:a16="http://schemas.microsoft.com/office/drawing/2014/main" id="{D589698F-8894-FAB4-193F-E0C38FB56320}"/>
+            <a:off x="2304651" y="108738"/>
+            <a:ext cx="2888451" cy="874672"/>
+          </a:xfrm>
+          <a:prstGeom prst="rect">
+            <a:avLst/>
+          </a:prstGeom>
+        </p:spPr>
+      </p:pic>
+      <p:pic>
+        <p:nvPicPr>
+          <p:cNvPr id="10" name="Picture 9">
+            <a:extLst>
+              <a:ext uri="{FF2B5EF4-FFF2-40B4-BE49-F238E27FC236}">
+                <a16:creationId xmlns:a16="http://schemas.microsoft.com/office/drawing/2014/main" id="{0606567D-8566-D9D2-F99F-7E92ABD82579}"/>
               </a:ext>
             </a:extLst>
           </p:cNvPr>
@@ -6334,20 +6456,20 @@
         </p:blipFill>
         <p:spPr>
           <a:xfrm>
-            <a:off x="4843416" y="0"/>
-            <a:ext cx="7348584" cy="455222"/>
-          </a:xfrm>
-          <a:prstGeom prst="rect">
-            <a:avLst/>
-          </a:prstGeom>
-        </p:spPr>
-      </p:pic>
-      <p:pic>
-        <p:nvPicPr>
-          <p:cNvPr id="11" name="Picture 10">
-            <a:extLst>
-              <a:ext uri="{FF2B5EF4-FFF2-40B4-BE49-F238E27FC236}">
-                <a16:creationId xmlns:a16="http://schemas.microsoft.com/office/drawing/2014/main" id="{6179BB55-5E48-B676-1A76-7F68451393D9}"/>
+            <a:off x="5193102" y="167854"/>
+            <a:ext cx="3905250" cy="647700"/>
+          </a:xfrm>
+          <a:prstGeom prst="rect">
+            <a:avLst/>
+          </a:prstGeom>
+        </p:spPr>
+      </p:pic>
+      <p:pic>
+        <p:nvPicPr>
+          <p:cNvPr id="12" name="Picture 11">
+            <a:extLst>
+              <a:ext uri="{FF2B5EF4-FFF2-40B4-BE49-F238E27FC236}">
+                <a16:creationId xmlns:a16="http://schemas.microsoft.com/office/drawing/2014/main" id="{C6C8D7C1-0FF8-9081-1E63-94F182FAD186}"/>
               </a:ext>
             </a:extLst>
           </p:cNvPr>
@@ -6364,20 +6486,20 @@
         </p:blipFill>
         <p:spPr>
           <a:xfrm>
-            <a:off x="2163933" y="1885254"/>
-            <a:ext cx="8610430" cy="720969"/>
-          </a:xfrm>
-          <a:prstGeom prst="rect">
-            <a:avLst/>
-          </a:prstGeom>
-        </p:spPr>
-      </p:pic>
-      <p:pic>
-        <p:nvPicPr>
-          <p:cNvPr id="13" name="Picture 12">
-            <a:extLst>
-              <a:ext uri="{FF2B5EF4-FFF2-40B4-BE49-F238E27FC236}">
-                <a16:creationId xmlns:a16="http://schemas.microsoft.com/office/drawing/2014/main" id="{AD159FEC-52F1-A63A-D427-EE3F125E7B8E}"/>
+            <a:off x="2511685" y="2376218"/>
+            <a:ext cx="6725946" cy="1729955"/>
+          </a:xfrm>
+          <a:prstGeom prst="rect">
+            <a:avLst/>
+          </a:prstGeom>
+        </p:spPr>
+      </p:pic>
+      <p:pic>
+        <p:nvPicPr>
+          <p:cNvPr id="15" name="Picture 14">
+            <a:extLst>
+              <a:ext uri="{FF2B5EF4-FFF2-40B4-BE49-F238E27FC236}">
+                <a16:creationId xmlns:a16="http://schemas.microsoft.com/office/drawing/2014/main" id="{286AF3CB-EA38-8EBD-000C-2C55DFC2D5FA}"/>
               </a:ext>
             </a:extLst>
           </p:cNvPr>
@@ -6394,38 +6516,8 @@
         </p:blipFill>
         <p:spPr>
           <a:xfrm>
-            <a:off x="0" y="5625904"/>
-            <a:ext cx="1296939" cy="1121677"/>
-          </a:xfrm>
-          <a:prstGeom prst="rect">
-            <a:avLst/>
-          </a:prstGeom>
-        </p:spPr>
-      </p:pic>
-      <p:pic>
-        <p:nvPicPr>
-          <p:cNvPr id="17" name="Picture 16">
-            <a:extLst>
-              <a:ext uri="{FF2B5EF4-FFF2-40B4-BE49-F238E27FC236}">
-                <a16:creationId xmlns:a16="http://schemas.microsoft.com/office/drawing/2014/main" id="{6235F2F6-5585-9BD5-66CD-DD7F76BCC937}"/>
-              </a:ext>
-            </a:extLst>
-          </p:cNvPr>
-          <p:cNvPicPr>
-            <a:picLocks noChangeAspect="1"/>
-          </p:cNvPicPr>
-          <p:nvPr/>
-        </p:nvPicPr>
-        <p:blipFill>
-          <a:blip r:embed="rId7"/>
-          <a:stretch>
-            <a:fillRect/>
-          </a:stretch>
-        </p:blipFill>
-        <p:spPr>
-          <a:xfrm>
-            <a:off x="2376689" y="3674012"/>
-            <a:ext cx="7875429" cy="2675027"/>
+            <a:off x="1810107" y="4792165"/>
+            <a:ext cx="8571786" cy="874672"/>
           </a:xfrm>
           <a:prstGeom prst="rect">
             <a:avLst/>
@@ -6434,10 +6526,10 @@
       </p:pic>
       <p:sp>
         <p:nvSpPr>
-          <p:cNvPr id="18" name="Rectangle 17">
-            <a:extLst>
-              <a:ext uri="{FF2B5EF4-FFF2-40B4-BE49-F238E27FC236}">
-                <a16:creationId xmlns:a16="http://schemas.microsoft.com/office/drawing/2014/main" id="{A7080D7C-5592-09FB-C362-C88A28008930}"/>
+          <p:cNvPr id="16" name="Rectangle 15">
+            <a:extLst>
+              <a:ext uri="{FF2B5EF4-FFF2-40B4-BE49-F238E27FC236}">
+                <a16:creationId xmlns:a16="http://schemas.microsoft.com/office/drawing/2014/main" id="{42E69DE9-8D44-0AC9-563F-C3F4B4F61FA7}"/>
               </a:ext>
             </a:extLst>
           </p:cNvPr>
@@ -6446,8 +6538,8 @@
         </p:nvSpPr>
         <p:spPr>
           <a:xfrm>
-            <a:off x="4437974" y="397013"/>
-            <a:ext cx="1346688" cy="420452"/>
+            <a:off x="2743200" y="2336414"/>
+            <a:ext cx="1242204" cy="493049"/>
           </a:xfrm>
           <a:prstGeom prst="rect">
             <a:avLst/>
@@ -6487,6 +6579,268 @@
     </p:spTree>
     <p:extLst>
       <p:ext uri="{BB962C8B-B14F-4D97-AF65-F5344CB8AC3E}">
+        <p14:creationId xmlns:p14="http://schemas.microsoft.com/office/powerpoint/2010/main" val="3494924795"/>
+      </p:ext>
+    </p:extLst>
+  </p:cSld>
+  <p:clrMapOvr>
+    <a:masterClrMapping/>
+  </p:clrMapOvr>
+</p:sld>
+</file>
+
+<file path=ppt/slides/slide5.xml><?xml version="1.0" encoding="utf-8"?>
+<p:sld xmlns:a="http://schemas.openxmlformats.org/drawingml/2006/main" xmlns:r="http://schemas.openxmlformats.org/officeDocument/2006/relationships" xmlns:p="http://schemas.openxmlformats.org/presentationml/2006/main">
+  <p:cSld>
+    <p:spTree>
+      <p:nvGrpSpPr>
+        <p:cNvPr id="1" name=""/>
+        <p:cNvGrpSpPr/>
+        <p:nvPr/>
+      </p:nvGrpSpPr>
+      <p:grpSpPr>
+        <a:xfrm>
+          <a:off x="0" y="0"/>
+          <a:ext cx="0" cy="0"/>
+          <a:chOff x="0" y="0"/>
+          <a:chExt cx="0" cy="0"/>
+        </a:xfrm>
+      </p:grpSpPr>
+      <p:pic>
+        <p:nvPicPr>
+          <p:cNvPr id="5" name="Picture 4">
+            <a:extLst>
+              <a:ext uri="{FF2B5EF4-FFF2-40B4-BE49-F238E27FC236}">
+                <a16:creationId xmlns:a16="http://schemas.microsoft.com/office/drawing/2014/main" id="{4A70D808-CECB-EA81-48FF-574F674CB921}"/>
+              </a:ext>
+            </a:extLst>
+          </p:cNvPr>
+          <p:cNvPicPr>
+            <a:picLocks noChangeAspect="1"/>
+          </p:cNvPicPr>
+          <p:nvPr/>
+        </p:nvPicPr>
+        <p:blipFill>
+          <a:blip r:embed="rId2"/>
+          <a:stretch>
+            <a:fillRect/>
+          </a:stretch>
+        </p:blipFill>
+        <p:spPr>
+          <a:xfrm>
+            <a:off x="492663" y="413458"/>
+            <a:ext cx="2400300" cy="657225"/>
+          </a:xfrm>
+          <a:prstGeom prst="rect">
+            <a:avLst/>
+          </a:prstGeom>
+        </p:spPr>
+      </p:pic>
+      <p:pic>
+        <p:nvPicPr>
+          <p:cNvPr id="7" name="Picture 6">
+            <a:extLst>
+              <a:ext uri="{FF2B5EF4-FFF2-40B4-BE49-F238E27FC236}">
+                <a16:creationId xmlns:a16="http://schemas.microsoft.com/office/drawing/2014/main" id="{95375AC1-F824-08FF-6BA8-2DAC7CA84A7E}"/>
+              </a:ext>
+            </a:extLst>
+          </p:cNvPr>
+          <p:cNvPicPr>
+            <a:picLocks noChangeAspect="1"/>
+          </p:cNvPicPr>
+          <p:nvPr/>
+        </p:nvPicPr>
+        <p:blipFill>
+          <a:blip r:embed="rId3"/>
+          <a:stretch>
+            <a:fillRect/>
+          </a:stretch>
+        </p:blipFill>
+        <p:spPr>
+          <a:xfrm>
+            <a:off x="2957066" y="413457"/>
+            <a:ext cx="2827596" cy="657225"/>
+          </a:xfrm>
+          <a:prstGeom prst="rect">
+            <a:avLst/>
+          </a:prstGeom>
+        </p:spPr>
+      </p:pic>
+      <p:pic>
+        <p:nvPicPr>
+          <p:cNvPr id="9" name="Picture 8">
+            <a:extLst>
+              <a:ext uri="{FF2B5EF4-FFF2-40B4-BE49-F238E27FC236}">
+                <a16:creationId xmlns:a16="http://schemas.microsoft.com/office/drawing/2014/main" id="{D589698F-8894-FAB4-193F-E0C38FB56320}"/>
+              </a:ext>
+            </a:extLst>
+          </p:cNvPr>
+          <p:cNvPicPr>
+            <a:picLocks noChangeAspect="1"/>
+          </p:cNvPicPr>
+          <p:nvPr/>
+        </p:nvPicPr>
+        <p:blipFill>
+          <a:blip r:embed="rId4"/>
+          <a:stretch>
+            <a:fillRect/>
+          </a:stretch>
+        </p:blipFill>
+        <p:spPr>
+          <a:xfrm>
+            <a:off x="4843416" y="0"/>
+            <a:ext cx="7348584" cy="455222"/>
+          </a:xfrm>
+          <a:prstGeom prst="rect">
+            <a:avLst/>
+          </a:prstGeom>
+        </p:spPr>
+      </p:pic>
+      <p:pic>
+        <p:nvPicPr>
+          <p:cNvPr id="11" name="Picture 10">
+            <a:extLst>
+              <a:ext uri="{FF2B5EF4-FFF2-40B4-BE49-F238E27FC236}">
+                <a16:creationId xmlns:a16="http://schemas.microsoft.com/office/drawing/2014/main" id="{6179BB55-5E48-B676-1A76-7F68451393D9}"/>
+              </a:ext>
+            </a:extLst>
+          </p:cNvPr>
+          <p:cNvPicPr>
+            <a:picLocks noChangeAspect="1"/>
+          </p:cNvPicPr>
+          <p:nvPr/>
+        </p:nvPicPr>
+        <p:blipFill>
+          <a:blip r:embed="rId5"/>
+          <a:stretch>
+            <a:fillRect/>
+          </a:stretch>
+        </p:blipFill>
+        <p:spPr>
+          <a:xfrm>
+            <a:off x="2163933" y="1885254"/>
+            <a:ext cx="8610430" cy="720969"/>
+          </a:xfrm>
+          <a:prstGeom prst="rect">
+            <a:avLst/>
+          </a:prstGeom>
+        </p:spPr>
+      </p:pic>
+      <p:pic>
+        <p:nvPicPr>
+          <p:cNvPr id="13" name="Picture 12">
+            <a:extLst>
+              <a:ext uri="{FF2B5EF4-FFF2-40B4-BE49-F238E27FC236}">
+                <a16:creationId xmlns:a16="http://schemas.microsoft.com/office/drawing/2014/main" id="{AD159FEC-52F1-A63A-D427-EE3F125E7B8E}"/>
+              </a:ext>
+            </a:extLst>
+          </p:cNvPr>
+          <p:cNvPicPr>
+            <a:picLocks noChangeAspect="1"/>
+          </p:cNvPicPr>
+          <p:nvPr/>
+        </p:nvPicPr>
+        <p:blipFill>
+          <a:blip r:embed="rId6"/>
+          <a:stretch>
+            <a:fillRect/>
+          </a:stretch>
+        </p:blipFill>
+        <p:spPr>
+          <a:xfrm>
+            <a:off x="0" y="5625904"/>
+            <a:ext cx="1296939" cy="1121677"/>
+          </a:xfrm>
+          <a:prstGeom prst="rect">
+            <a:avLst/>
+          </a:prstGeom>
+        </p:spPr>
+      </p:pic>
+      <p:pic>
+        <p:nvPicPr>
+          <p:cNvPr id="17" name="Picture 16">
+            <a:extLst>
+              <a:ext uri="{FF2B5EF4-FFF2-40B4-BE49-F238E27FC236}">
+                <a16:creationId xmlns:a16="http://schemas.microsoft.com/office/drawing/2014/main" id="{6235F2F6-5585-9BD5-66CD-DD7F76BCC937}"/>
+              </a:ext>
+            </a:extLst>
+          </p:cNvPr>
+          <p:cNvPicPr>
+            <a:picLocks noChangeAspect="1"/>
+          </p:cNvPicPr>
+          <p:nvPr/>
+        </p:nvPicPr>
+        <p:blipFill>
+          <a:blip r:embed="rId7"/>
+          <a:stretch>
+            <a:fillRect/>
+          </a:stretch>
+        </p:blipFill>
+        <p:spPr>
+          <a:xfrm>
+            <a:off x="2376689" y="3674012"/>
+            <a:ext cx="7875429" cy="2675027"/>
+          </a:xfrm>
+          <a:prstGeom prst="rect">
+            <a:avLst/>
+          </a:prstGeom>
+        </p:spPr>
+      </p:pic>
+      <p:sp>
+        <p:nvSpPr>
+          <p:cNvPr id="18" name="Rectangle 17">
+            <a:extLst>
+              <a:ext uri="{FF2B5EF4-FFF2-40B4-BE49-F238E27FC236}">
+                <a16:creationId xmlns:a16="http://schemas.microsoft.com/office/drawing/2014/main" id="{A7080D7C-5592-09FB-C362-C88A28008930}"/>
+              </a:ext>
+            </a:extLst>
+          </p:cNvPr>
+          <p:cNvSpPr/>
+          <p:nvPr/>
+        </p:nvSpPr>
+        <p:spPr>
+          <a:xfrm>
+            <a:off x="4437974" y="397013"/>
+            <a:ext cx="1346688" cy="420452"/>
+          </a:xfrm>
+          <a:prstGeom prst="rect">
+            <a:avLst/>
+          </a:prstGeom>
+          <a:noFill/>
+          <a:ln w="57150">
+            <a:solidFill>
+              <a:srgbClr val="FF0000"/>
+            </a:solidFill>
+          </a:ln>
+        </p:spPr>
+        <p:style>
+          <a:lnRef idx="2">
+            <a:schemeClr val="accent1">
+              <a:shade val="15000"/>
+            </a:schemeClr>
+          </a:lnRef>
+          <a:fillRef idx="1">
+            <a:schemeClr val="accent1"/>
+          </a:fillRef>
+          <a:effectRef idx="0">
+            <a:schemeClr val="accent1"/>
+          </a:effectRef>
+          <a:fontRef idx="minor">
+            <a:schemeClr val="lt1"/>
+          </a:fontRef>
+        </p:style>
+        <p:txBody>
+          <a:bodyPr rtlCol="0" anchor="ctr"/>
+          <a:lstStyle/>
+          <a:p>
+            <a:pPr algn="ctr"/>
+            <a:endParaRPr lang="es-PE"/>
+          </a:p>
+        </p:txBody>
+      </p:sp>
+    </p:spTree>
+    <p:extLst>
+      <p:ext uri="{BB962C8B-B14F-4D97-AF65-F5344CB8AC3E}">
         <p14:creationId xmlns:p14="http://schemas.microsoft.com/office/powerpoint/2010/main" val="1653416680"/>
       </p:ext>
     </p:extLst>
@@ -6497,7 +6851,7 @@
 </p:sld>
 </file>
 
-<file path=ppt/slides/slide5.xml><?xml version="1.0" encoding="utf-8"?>
+<file path=ppt/slides/slide6.xml><?xml version="1.0" encoding="utf-8"?>
 <p:sld xmlns:a="http://schemas.openxmlformats.org/drawingml/2006/main" xmlns:r="http://schemas.openxmlformats.org/officeDocument/2006/relationships" xmlns:p="http://schemas.openxmlformats.org/presentationml/2006/main">
   <p:cSld>
     <p:spTree>
@@ -6653,7 +7007,7 @@
 </p:sld>
 </file>
 
-<file path=ppt/slides/slide6.xml><?xml version="1.0" encoding="utf-8"?>
+<file path=ppt/slides/slide7.xml><?xml version="1.0" encoding="utf-8"?>
 <p:sld xmlns:a="http://schemas.openxmlformats.org/drawingml/2006/main" xmlns:r="http://schemas.openxmlformats.org/officeDocument/2006/relationships" xmlns:p="http://schemas.openxmlformats.org/presentationml/2006/main">
   <p:cSld>
     <p:spTree>
@@ -6809,7 +7163,7 @@
 </p:sld>
 </file>
 
-<file path=ppt/slides/slide7.xml><?xml version="1.0" encoding="utf-8"?>
+<file path=ppt/slides/slide8.xml><?xml version="1.0" encoding="utf-8"?>
 <p:sld xmlns:a="http://schemas.openxmlformats.org/drawingml/2006/main" xmlns:r="http://schemas.openxmlformats.org/officeDocument/2006/relationships" xmlns:p="http://schemas.openxmlformats.org/presentationml/2006/main">
   <p:cSld>
     <p:spTree>
@@ -6965,7 +7319,7 @@
 </p:sld>
 </file>
 
-<file path=ppt/slides/slide8.xml><?xml version="1.0" encoding="utf-8"?>
+<file path=ppt/slides/slide9.xml><?xml version="1.0" encoding="utf-8"?>
 <p:sld xmlns:a="http://schemas.openxmlformats.org/drawingml/2006/main" xmlns:r="http://schemas.openxmlformats.org/officeDocument/2006/relationships" xmlns:p="http://schemas.openxmlformats.org/presentationml/2006/main">
   <p:cSld>
     <p:spTree>
@@ -7112,238 +7466,6 @@
     <p:extLst>
       <p:ext uri="{BB962C8B-B14F-4D97-AF65-F5344CB8AC3E}">
         <p14:creationId xmlns:p14="http://schemas.microsoft.com/office/powerpoint/2010/main" val="1502669277"/>
-      </p:ext>
-    </p:extLst>
-  </p:cSld>
-  <p:clrMapOvr>
-    <a:masterClrMapping/>
-  </p:clrMapOvr>
-</p:sld>
-</file>
-
-<file path=ppt/slides/slide9.xml><?xml version="1.0" encoding="utf-8"?>
-<p:sld xmlns:a="http://schemas.openxmlformats.org/drawingml/2006/main" xmlns:r="http://schemas.openxmlformats.org/officeDocument/2006/relationships" xmlns:p="http://schemas.openxmlformats.org/presentationml/2006/main">
-  <p:cSld>
-    <p:spTree>
-      <p:nvGrpSpPr>
-        <p:cNvPr id="1" name=""/>
-        <p:cNvGrpSpPr/>
-        <p:nvPr/>
-      </p:nvGrpSpPr>
-      <p:grpSpPr>
-        <a:xfrm>
-          <a:off x="0" y="0"/>
-          <a:ext cx="0" cy="0"/>
-          <a:chOff x="0" y="0"/>
-          <a:chExt cx="0" cy="0"/>
-        </a:xfrm>
-      </p:grpSpPr>
-      <p:pic>
-        <p:nvPicPr>
-          <p:cNvPr id="5" name="Picture 4">
-            <a:extLst>
-              <a:ext uri="{FF2B5EF4-FFF2-40B4-BE49-F238E27FC236}">
-                <a16:creationId xmlns:a16="http://schemas.microsoft.com/office/drawing/2014/main" id="{3769015F-8EEE-96C0-E388-3E3BA30D71DD}"/>
-              </a:ext>
-            </a:extLst>
-          </p:cNvPr>
-          <p:cNvPicPr>
-            <a:picLocks noChangeAspect="1"/>
-          </p:cNvPicPr>
-          <p:nvPr/>
-        </p:nvPicPr>
-        <p:blipFill>
-          <a:blip r:embed="rId2"/>
-          <a:stretch>
-            <a:fillRect/>
-          </a:stretch>
-        </p:blipFill>
-        <p:spPr>
-          <a:xfrm>
-            <a:off x="0" y="345098"/>
-            <a:ext cx="2938075" cy="623228"/>
-          </a:xfrm>
-          <a:prstGeom prst="rect">
-            <a:avLst/>
-          </a:prstGeom>
-        </p:spPr>
-      </p:pic>
-      <p:pic>
-        <p:nvPicPr>
-          <p:cNvPr id="7" name="Picture 6">
-            <a:extLst>
-              <a:ext uri="{FF2B5EF4-FFF2-40B4-BE49-F238E27FC236}">
-                <a16:creationId xmlns:a16="http://schemas.microsoft.com/office/drawing/2014/main" id="{6FCE01EE-9AE2-5C33-41E3-D81C6236E18C}"/>
-              </a:ext>
-            </a:extLst>
-          </p:cNvPr>
-          <p:cNvPicPr>
-            <a:picLocks noChangeAspect="1"/>
-          </p:cNvPicPr>
-          <p:nvPr/>
-        </p:nvPicPr>
-        <p:blipFill>
-          <a:blip r:embed="rId3"/>
-          <a:stretch>
-            <a:fillRect/>
-          </a:stretch>
-        </p:blipFill>
-        <p:spPr>
-          <a:xfrm>
-            <a:off x="3009531" y="84846"/>
-            <a:ext cx="5548973" cy="827942"/>
-          </a:xfrm>
-          <a:prstGeom prst="rect">
-            <a:avLst/>
-          </a:prstGeom>
-        </p:spPr>
-      </p:pic>
-      <p:pic>
-        <p:nvPicPr>
-          <p:cNvPr id="9" name="Picture 8">
-            <a:extLst>
-              <a:ext uri="{FF2B5EF4-FFF2-40B4-BE49-F238E27FC236}">
-                <a16:creationId xmlns:a16="http://schemas.microsoft.com/office/drawing/2014/main" id="{4D2BC1BA-AD78-7EC4-748B-5C4510BD1481}"/>
-              </a:ext>
-            </a:extLst>
-          </p:cNvPr>
-          <p:cNvPicPr>
-            <a:picLocks noChangeAspect="1"/>
-          </p:cNvPicPr>
-          <p:nvPr/>
-        </p:nvPicPr>
-        <p:blipFill>
-          <a:blip r:embed="rId4"/>
-          <a:stretch>
-            <a:fillRect/>
-          </a:stretch>
-        </p:blipFill>
-        <p:spPr>
-          <a:xfrm>
-            <a:off x="8558504" y="0"/>
-            <a:ext cx="3444661" cy="997634"/>
-          </a:xfrm>
-          <a:prstGeom prst="rect">
-            <a:avLst/>
-          </a:prstGeom>
-        </p:spPr>
-      </p:pic>
-      <p:pic>
-        <p:nvPicPr>
-          <p:cNvPr id="11" name="Picture 10">
-            <a:extLst>
-              <a:ext uri="{FF2B5EF4-FFF2-40B4-BE49-F238E27FC236}">
-                <a16:creationId xmlns:a16="http://schemas.microsoft.com/office/drawing/2014/main" id="{7875CE6F-7B2E-A7AB-F198-A5D95A489534}"/>
-              </a:ext>
-            </a:extLst>
-          </p:cNvPr>
-          <p:cNvPicPr>
-            <a:picLocks noChangeAspect="1"/>
-          </p:cNvPicPr>
-          <p:nvPr/>
-        </p:nvPicPr>
-        <p:blipFill>
-          <a:blip r:embed="rId5"/>
-          <a:stretch>
-            <a:fillRect/>
-          </a:stretch>
-        </p:blipFill>
-        <p:spPr>
-          <a:xfrm>
-            <a:off x="1454969" y="1933172"/>
-            <a:ext cx="9602588" cy="2991656"/>
-          </a:xfrm>
-          <a:prstGeom prst="rect">
-            <a:avLst/>
-          </a:prstGeom>
-        </p:spPr>
-      </p:pic>
-      <p:pic>
-        <p:nvPicPr>
-          <p:cNvPr id="13" name="Picture 12">
-            <a:extLst>
-              <a:ext uri="{FF2B5EF4-FFF2-40B4-BE49-F238E27FC236}">
-                <a16:creationId xmlns:a16="http://schemas.microsoft.com/office/drawing/2014/main" id="{73E2F46D-439F-DBA3-30DF-85BDD429DE1D}"/>
-              </a:ext>
-            </a:extLst>
-          </p:cNvPr>
-          <p:cNvPicPr>
-            <a:picLocks noChangeAspect="1"/>
-          </p:cNvPicPr>
-          <p:nvPr/>
-        </p:nvPicPr>
-        <p:blipFill>
-          <a:blip r:embed="rId6"/>
-          <a:stretch>
-            <a:fillRect/>
-          </a:stretch>
-        </p:blipFill>
-        <p:spPr>
-          <a:xfrm>
-            <a:off x="168813" y="5849694"/>
-            <a:ext cx="920627" cy="1008306"/>
-          </a:xfrm>
-          <a:prstGeom prst="rect">
-            <a:avLst/>
-          </a:prstGeom>
-        </p:spPr>
-      </p:pic>
-      <p:sp>
-        <p:nvSpPr>
-          <p:cNvPr id="16" name="Rectangle 15">
-            <a:extLst>
-              <a:ext uri="{FF2B5EF4-FFF2-40B4-BE49-F238E27FC236}">
-                <a16:creationId xmlns:a16="http://schemas.microsoft.com/office/drawing/2014/main" id="{35292634-4ECD-26EC-B3CC-89A470A9B100}"/>
-              </a:ext>
-            </a:extLst>
-          </p:cNvPr>
-          <p:cNvSpPr/>
-          <p:nvPr/>
-        </p:nvSpPr>
-        <p:spPr>
-          <a:xfrm>
-            <a:off x="7919049" y="172569"/>
-            <a:ext cx="639455" cy="379521"/>
-          </a:xfrm>
-          <a:prstGeom prst="rect">
-            <a:avLst/>
-          </a:prstGeom>
-          <a:noFill/>
-          <a:ln w="57150">
-            <a:solidFill>
-              <a:srgbClr val="FF0000"/>
-            </a:solidFill>
-          </a:ln>
-        </p:spPr>
-        <p:style>
-          <a:lnRef idx="2">
-            <a:schemeClr val="accent1">
-              <a:shade val="15000"/>
-            </a:schemeClr>
-          </a:lnRef>
-          <a:fillRef idx="1">
-            <a:schemeClr val="accent1"/>
-          </a:fillRef>
-          <a:effectRef idx="0">
-            <a:schemeClr val="accent1"/>
-          </a:effectRef>
-          <a:fontRef idx="minor">
-            <a:schemeClr val="lt1"/>
-          </a:fontRef>
-        </p:style>
-        <p:txBody>
-          <a:bodyPr rtlCol="0" anchor="ctr"/>
-          <a:lstStyle/>
-          <a:p>
-            <a:pPr algn="ctr"/>
-            <a:endParaRPr lang="es-PE"/>
-          </a:p>
-        </p:txBody>
-      </p:sp>
-    </p:spTree>
-    <p:extLst>
-      <p:ext uri="{BB962C8B-B14F-4D97-AF65-F5344CB8AC3E}">
-        <p14:creationId xmlns:p14="http://schemas.microsoft.com/office/powerpoint/2010/main" val="1077892807"/>
       </p:ext>
     </p:extLst>
   </p:cSld>
